--- a/doc/session2/UML.pptx
+++ b/doc/session2/UML.pptx
@@ -105,6 +105,11 @@
       </a:defRPr>
     </a:lvl9pPr>
   </p:defaultTextStyle>
+  <p:extLst>
+    <p:ext uri="{EFAFB233-063F-42B5-8137-9DF3F51BA10A}">
+      <p15:sldGuideLst xmlns:p15="http://schemas.microsoft.com/office/powerpoint/2012/main"/>
+    </p:ext>
+  </p:extLst>
 </p:presentation>
 </file>
 
@@ -3337,7 +3342,7 @@
           <p:nvPr>
             <p:extLst>
               <p:ext uri="{D42A27DB-BD31-4B8C-83A1-F6EECF244321}">
-                <p14:modId xmlns:p14="http://schemas.microsoft.com/office/powerpoint/2010/main" val="3268442510"/>
+                <p14:modId xmlns:p14="http://schemas.microsoft.com/office/powerpoint/2010/main" val="2827938810"/>
               </p:ext>
             </p:extLst>
           </p:nvPr>
@@ -3852,7 +3857,7 @@
                           <a:latin typeface="Courier New" panose="02070309020205020404" pitchFamily="49" charset="0"/>
                           <a:cs typeface="Courier New" panose="02070309020205020404" pitchFamily="49" charset="0"/>
                         </a:rPr>
-                        <a:t>GetDensity</a:t>
+                        <a:t>GetSpecificVolume</a:t>
                       </a:r>
                       <a:r>
                         <a:rPr lang="fr-FR" dirty="0">
@@ -3920,14 +3925,14 @@
           <p:nvPr>
             <p:extLst>
               <p:ext uri="{D42A27DB-BD31-4B8C-83A1-F6EECF244321}">
-                <p14:modId xmlns:p14="http://schemas.microsoft.com/office/powerpoint/2010/main" val="3557844752"/>
+                <p14:modId xmlns:p14="http://schemas.microsoft.com/office/powerpoint/2010/main" val="1569748162"/>
               </p:ext>
             </p:extLst>
           </p:nvPr>
         </p:nvGraphicFramePr>
         <p:xfrm>
-          <a:off x="3088144" y="900437"/>
-          <a:ext cx="6015713" cy="5057126"/>
+          <a:off x="3088144" y="689232"/>
+          <a:ext cx="6015713" cy="5479537"/>
         </p:xfrm>
         <a:graphic>
           <a:graphicData uri="http://schemas.openxmlformats.org/drawingml/2006/table">
@@ -4004,36 +4009,6 @@
                           <a:latin typeface="Courier New" panose="02070309020205020404" pitchFamily="49" charset="0"/>
                           <a:cs typeface="Courier New" panose="02070309020205020404" pitchFamily="49" charset="0"/>
                         </a:rPr>
-                        <a:t>- </a:t>
-                      </a:r>
-                      <a:r>
-                        <a:rPr lang="fr-FR" dirty="0" err="1">
-                          <a:latin typeface="Courier New" panose="02070309020205020404" pitchFamily="49" charset="0"/>
-                          <a:cs typeface="Courier New" panose="02070309020205020404" pitchFamily="49" charset="0"/>
-                        </a:rPr>
-                        <a:t>nmax</a:t>
-                      </a:r>
-                      <a:r>
-                        <a:rPr lang="fr-FR" dirty="0">
-                          <a:latin typeface="Courier New" panose="02070309020205020404" pitchFamily="49" charset="0"/>
-                          <a:cs typeface="Courier New" panose="02070309020205020404" pitchFamily="49" charset="0"/>
-                        </a:rPr>
-                        <a:t>_:</a:t>
-                      </a:r>
-                    </a:p>
-                    <a:p>
-                      <a:pPr marL="0" indent="0" algn="l">
-                        <a:lnSpc>
-                          <a:spcPts val="2500"/>
-                        </a:lnSpc>
-                        <a:buFontTx/>
-                        <a:buNone/>
-                      </a:pPr>
-                      <a:r>
-                        <a:rPr lang="fr-FR" dirty="0">
-                          <a:latin typeface="Courier New" panose="02070309020205020404" pitchFamily="49" charset="0"/>
-                          <a:cs typeface="Courier New" panose="02070309020205020404" pitchFamily="49" charset="0"/>
-                        </a:rPr>
                         <a:t>- data_: std::</a:t>
                       </a:r>
                       <a:r>
@@ -4129,42 +4104,14 @@
                           <a:latin typeface="Courier New" panose="02070309020205020404" pitchFamily="49" charset="0"/>
                           <a:cs typeface="Courier New" panose="02070309020205020404" pitchFamily="49" charset="0"/>
                         </a:rPr>
-                        <a:t>(</a:t>
+                        <a:t>(data: std::</a:t>
                       </a:r>
                       <a:r>
                         <a:rPr lang="fr-FR" dirty="0" err="1">
                           <a:latin typeface="Courier New" panose="02070309020205020404" pitchFamily="49" charset="0"/>
                           <a:cs typeface="Courier New" panose="02070309020205020404" pitchFamily="49" charset="0"/>
                         </a:rPr>
-                        <a:t>nmax</a:t>
-                      </a:r>
-                      <a:r>
-                        <a:rPr lang="fr-FR" dirty="0">
-                          <a:latin typeface="Courier New" panose="02070309020205020404" pitchFamily="49" charset="0"/>
-                          <a:cs typeface="Courier New" panose="02070309020205020404" pitchFamily="49" charset="0"/>
-                        </a:rPr>
-                        <a:t>: </a:t>
-                      </a:r>
-                      <a:r>
-                        <a:rPr lang="fr-FR" dirty="0" err="1">
-                          <a:latin typeface="Courier New" panose="02070309020205020404" pitchFamily="49" charset="0"/>
-                          <a:cs typeface="Courier New" panose="02070309020205020404" pitchFamily="49" charset="0"/>
-                        </a:rPr>
-                        <a:t>unsigned</a:t>
-                      </a:r>
-                      <a:r>
-                        <a:rPr lang="fr-FR" dirty="0">
-                          <a:latin typeface="Courier New" panose="02070309020205020404" pitchFamily="49" charset="0"/>
-                          <a:cs typeface="Courier New" panose="02070309020205020404" pitchFamily="49" charset="0"/>
-                        </a:rPr>
-                        <a:t> </a:t>
-                      </a:r>
-                      <a:r>
-                        <a:rPr lang="fr-FR" dirty="0" err="1">
-                          <a:latin typeface="Courier New" panose="02070309020205020404" pitchFamily="49" charset="0"/>
-                          <a:cs typeface="Courier New" panose="02070309020205020404" pitchFamily="49" charset="0"/>
-                        </a:rPr>
-                        <a:t>int</a:t>
+                        <a:t>vector</a:t>
                       </a:r>
                       <a:r>
                         <a:rPr lang="fr-FR" dirty="0">
@@ -4262,21 +4209,116 @@
                           <a:latin typeface="Courier New" panose="02070309020205020404" pitchFamily="49" charset="0"/>
                           <a:cs typeface="Courier New" panose="02070309020205020404" pitchFamily="49" charset="0"/>
                         </a:rPr>
-                        <a:t>AddValue</a:t>
-                      </a:r>
-                      <a:r>
-                        <a:rPr lang="fr-FR" dirty="0">
-                          <a:latin typeface="Courier New" panose="02070309020205020404" pitchFamily="49" charset="0"/>
-                          <a:cs typeface="Courier New" panose="02070309020205020404" pitchFamily="49" charset="0"/>
-                        </a:rPr>
-                        <a:t>(value: double): </a:t>
+                        <a:t>SetData</a:t>
+                      </a:r>
+                      <a:r>
+                        <a:rPr lang="fr-FR" dirty="0">
+                          <a:latin typeface="Courier New" panose="02070309020205020404" pitchFamily="49" charset="0"/>
+                          <a:cs typeface="Courier New" panose="02070309020205020404" pitchFamily="49" charset="0"/>
+                        </a:rPr>
+                        <a:t>(data: std::</a:t>
                       </a:r>
                       <a:r>
                         <a:rPr lang="fr-FR" dirty="0" err="1">
                           <a:latin typeface="Courier New" panose="02070309020205020404" pitchFamily="49" charset="0"/>
                           <a:cs typeface="Courier New" panose="02070309020205020404" pitchFamily="49" charset="0"/>
                         </a:rPr>
-                        <a:t>bool</a:t>
+                        <a:t>vector</a:t>
+                      </a:r>
+                      <a:r>
+                        <a:rPr lang="fr-FR" dirty="0">
+                          <a:latin typeface="Courier New" panose="02070309020205020404" pitchFamily="49" charset="0"/>
+                          <a:cs typeface="Courier New" panose="02070309020205020404" pitchFamily="49" charset="0"/>
+                        </a:rPr>
+                        <a:t>)</a:t>
+                      </a:r>
+                    </a:p>
+                    <a:p>
+                      <a:pPr algn="l">
+                        <a:lnSpc>
+                          <a:spcPts val="2500"/>
+                        </a:lnSpc>
+                      </a:pPr>
+                      <a:r>
+                        <a:rPr lang="fr-FR" dirty="0">
+                          <a:latin typeface="Courier New" panose="02070309020205020404" pitchFamily="49" charset="0"/>
+                          <a:cs typeface="Courier New" panose="02070309020205020404" pitchFamily="49" charset="0"/>
+                        </a:rPr>
+                        <a:t>+ </a:t>
+                      </a:r>
+                      <a:r>
+                        <a:rPr lang="fr-FR" dirty="0" err="1">
+                          <a:latin typeface="Courier New" panose="02070309020205020404" pitchFamily="49" charset="0"/>
+                          <a:cs typeface="Courier New" panose="02070309020205020404" pitchFamily="49" charset="0"/>
+                        </a:rPr>
+                        <a:t>GetData</a:t>
+                      </a:r>
+                      <a:r>
+                        <a:rPr lang="fr-FR" dirty="0">
+                          <a:latin typeface="Courier New" panose="02070309020205020404" pitchFamily="49" charset="0"/>
+                          <a:cs typeface="Courier New" panose="02070309020205020404" pitchFamily="49" charset="0"/>
+                        </a:rPr>
+                        <a:t>(): std::</a:t>
+                      </a:r>
+                      <a:r>
+                        <a:rPr lang="fr-FR" dirty="0" err="1">
+                          <a:latin typeface="Courier New" panose="02070309020205020404" pitchFamily="49" charset="0"/>
+                          <a:cs typeface="Courier New" panose="02070309020205020404" pitchFamily="49" charset="0"/>
+                        </a:rPr>
+                        <a:t>vector</a:t>
+                      </a:r>
+                      <a:endParaRPr lang="fr-FR" dirty="0">
+                        <a:latin typeface="Courier New" panose="02070309020205020404" pitchFamily="49" charset="0"/>
+                        <a:cs typeface="Courier New" panose="02070309020205020404" pitchFamily="49" charset="0"/>
+                      </a:endParaRPr>
+                    </a:p>
+                    <a:p>
+                      <a:pPr algn="l">
+                        <a:lnSpc>
+                          <a:spcPts val="2500"/>
+                        </a:lnSpc>
+                      </a:pPr>
+                      <a:r>
+                        <a:rPr lang="fr-FR" dirty="0">
+                          <a:latin typeface="Courier New" panose="02070309020205020404" pitchFamily="49" charset="0"/>
+                          <a:cs typeface="Courier New" panose="02070309020205020404" pitchFamily="49" charset="0"/>
+                        </a:rPr>
+                        <a:t>+ </a:t>
+                      </a:r>
+                      <a:r>
+                        <a:rPr lang="fr-FR" dirty="0" err="1">
+                          <a:latin typeface="Courier New" panose="02070309020205020404" pitchFamily="49" charset="0"/>
+                          <a:cs typeface="Courier New" panose="02070309020205020404" pitchFamily="49" charset="0"/>
+                        </a:rPr>
+                        <a:t>GetNumber</a:t>
+                      </a:r>
+                      <a:r>
+                        <a:rPr lang="fr-FR" dirty="0">
+                          <a:latin typeface="Courier New" panose="02070309020205020404" pitchFamily="49" charset="0"/>
+                          <a:cs typeface="Courier New" panose="02070309020205020404" pitchFamily="49" charset="0"/>
+                        </a:rPr>
+                        <a:t>(): </a:t>
+                      </a:r>
+                      <a:r>
+                        <a:rPr lang="fr-FR" dirty="0" err="1">
+                          <a:latin typeface="Courier New" panose="02070309020205020404" pitchFamily="49" charset="0"/>
+                          <a:cs typeface="Courier New" panose="02070309020205020404" pitchFamily="49" charset="0"/>
+                        </a:rPr>
+                        <a:t>unsigned</a:t>
+                      </a:r>
+                      <a:r>
+                        <a:rPr lang="fr-FR" dirty="0">
+                          <a:latin typeface="Courier New" panose="02070309020205020404" pitchFamily="49" charset="0"/>
+                          <a:cs typeface="Courier New" panose="02070309020205020404" pitchFamily="49" charset="0"/>
+                        </a:rPr>
+                        <a:t> </a:t>
+                      </a:r>
+                      <a:r>
+                        <a:rPr lang="fr-FR" dirty="0" err="1">
+                          <a:latin typeface="Courier New" panose="02070309020205020404" pitchFamily="49" charset="0"/>
+                          <a:cs typeface="Courier New" panose="02070309020205020404" pitchFamily="49" charset="0"/>
+                        </a:rPr>
+                        <a:t>int</a:t>
                       </a:r>
                       <a:endParaRPr lang="fr-FR" dirty="0">
                         <a:latin typeface="Courier New" panose="02070309020205020404" pitchFamily="49" charset="0"/>
